--- a/_presentation/ext_team_presentation.pptx
+++ b/_presentation/ext_team_presentation.pptx
@@ -10,7 +10,8 @@
     <p:sldId id="258" r:id="rId4"/>
     <p:sldId id="261" r:id="rId5"/>
     <p:sldId id="262" r:id="rId6"/>
-    <p:sldId id="260" r:id="rId7"/>
+    <p:sldId id="263" r:id="rId7"/>
+    <p:sldId id="260" r:id="rId8"/>
   </p:sldIdLst>
   <p:sldSz cx="9144000" cy="5143500" type="screen16x9"/>
   <p:notesSz cx="6858000" cy="9144000"/>
@@ -6571,14 +6572,14 @@
           <p:nvPr>
             <p:extLst>
               <p:ext uri="{D42A27DB-BD31-4B8C-83A1-F6EECF244321}">
-                <p14:modId xmlns:p14="http://schemas.microsoft.com/office/powerpoint/2010/main" val="1806931993"/>
+                <p14:modId xmlns:p14="http://schemas.microsoft.com/office/powerpoint/2010/main" val="1833316098"/>
               </p:ext>
             </p:extLst>
           </p:nvPr>
         </p:nvGraphicFramePr>
         <p:xfrm>
           <a:off x="627092" y="942121"/>
-          <a:ext cx="7612588" cy="2625089"/>
+          <a:ext cx="8123716" cy="3585209"/>
         </p:xfrm>
         <a:graphic>
           <a:graphicData uri="http://schemas.openxmlformats.org/drawingml/2006/table">
@@ -6587,14 +6588,14 @@
                 <a:tableStyleId>{5C22544A-7EE6-4342-B048-85BDC9FD1C3A}</a:tableStyleId>
               </a:tblPr>
               <a:tblGrid>
-                <a:gridCol w="3806294">
+                <a:gridCol w="4210084">
                   <a:extLst>
                     <a:ext uri="{9D8B030D-6E8A-4147-A177-3AD203B41FA5}">
                       <a16:colId xmlns:a16="http://schemas.microsoft.com/office/drawing/2014/main" val="1737851927"/>
                     </a:ext>
                   </a:extLst>
                 </a:gridCol>
-                <a:gridCol w="3806294">
+                <a:gridCol w="3913632">
                   <a:extLst>
                     <a:ext uri="{9D8B030D-6E8A-4147-A177-3AD203B41FA5}">
                       <a16:colId xmlns:a16="http://schemas.microsoft.com/office/drawing/2014/main" val="574047757"/>
@@ -6745,7 +6746,7 @@
                         <a:buChar char="-"/>
                       </a:pPr>
                       <a:r>
-                        <a:rPr lang="ru-RU" sz="1200" dirty="0">
+                        <a:rPr lang="ru-RU" sz="1100" dirty="0">
                           <a:solidFill>
                             <a:schemeClr val="bg1">
                               <a:lumMod val="95000"/>
@@ -6755,7 +6756,7 @@
                         <a:t>Плохо разработаны способы такого преобразования либо не удалось их быстро </a:t>
                       </a:r>
                       <a:r>
-                        <a:rPr lang="ru-RU" sz="1200" dirty="0" err="1">
+                        <a:rPr lang="ru-RU" sz="1100" dirty="0" err="1">
                           <a:solidFill>
                             <a:schemeClr val="bg1">
                               <a:lumMod val="95000"/>
@@ -6764,7 +6765,7 @@
                         </a:rPr>
                         <a:t>нагуглить</a:t>
                       </a:r>
-                      <a:endParaRPr lang="ru-RU" sz="1200" dirty="0">
+                      <a:endParaRPr lang="ru-RU" sz="1100" dirty="0">
                         <a:solidFill>
                           <a:schemeClr val="bg1">
                             <a:lumMod val="95000"/>
@@ -6778,7 +6779,7 @@
                         <a:buChar char="-"/>
                       </a:pPr>
                       <a:r>
-                        <a:rPr lang="ru-RU" sz="1200" dirty="0">
+                        <a:rPr lang="ru-RU" sz="1100" dirty="0">
                           <a:solidFill>
                             <a:schemeClr val="bg1">
                               <a:lumMod val="95000"/>
@@ -6794,7 +6795,7 @@
                         <a:buChar char="-"/>
                       </a:pPr>
                       <a:r>
-                        <a:rPr lang="ru-RU" sz="1200" dirty="0">
+                        <a:rPr lang="ru-RU" sz="1100" dirty="0">
                           <a:solidFill>
                             <a:schemeClr val="bg1">
                               <a:lumMod val="95000"/>
@@ -6810,7 +6811,7 @@
                         <a:buChar char="-"/>
                       </a:pPr>
                       <a:r>
-                        <a:rPr lang="ru-RU" sz="1200" dirty="0">
+                        <a:rPr lang="ru-RU" sz="1100" dirty="0">
                           <a:solidFill>
                             <a:schemeClr val="bg1">
                               <a:lumMod val="95000"/>
@@ -6848,6 +6849,321 @@
                 <a:extLst>
                   <a:ext uri="{0D108BD9-81ED-4DB2-BD59-A6C34878D82A}">
                     <a16:rowId xmlns:a16="http://schemas.microsoft.com/office/drawing/2014/main" val="2104088283"/>
+                  </a:ext>
+                </a:extLst>
+              </a:tr>
+              <a:tr h="430358">
+                <a:tc>
+                  <a:txBody>
+                    <a:bodyPr/>
+                    <a:lstStyle/>
+                    <a:p>
+                      <a:r>
+                        <a:rPr lang="ru-RU" sz="1200" dirty="0">
+                          <a:solidFill>
+                            <a:schemeClr val="bg1">
+                              <a:lumMod val="95000"/>
+                            </a:schemeClr>
+                          </a:solidFill>
+                        </a:rPr>
+                        <a:t>Сделать акцент на работе с </a:t>
+                      </a:r>
+                      <a:r>
+                        <a:rPr lang="ru-RU" sz="1200" dirty="0" err="1">
+                          <a:solidFill>
+                            <a:schemeClr val="bg1">
+                              <a:lumMod val="95000"/>
+                            </a:schemeClr>
+                          </a:solidFill>
+                        </a:rPr>
+                        <a:t>чанками</a:t>
+                      </a:r>
+                      <a:r>
+                        <a:rPr lang="ru-RU" sz="1200" dirty="0">
+                          <a:solidFill>
+                            <a:schemeClr val="bg1">
+                              <a:lumMod val="95000"/>
+                            </a:schemeClr>
+                          </a:solidFill>
+                        </a:rPr>
+                        <a:t> исходного файла на предмет получения более универсальных векторных представлений, учитывающих историчность данных</a:t>
+                      </a:r>
+                    </a:p>
+                  </a:txBody>
+                  <a:tcPr anchor="ctr">
+                    <a:lnL w="12700" cmpd="sng">
+                      <a:noFill/>
+                    </a:lnL>
+                    <a:lnR w="12700" cmpd="sng">
+                      <a:noFill/>
+                    </a:lnR>
+                    <a:lnT w="38100" cmpd="sng">
+                      <a:noFill/>
+                    </a:lnT>
+                    <a:lnB w="12700" cmpd="sng">
+                      <a:noFill/>
+                    </a:lnB>
+                    <a:lnTlToBr w="12700" cmpd="sng">
+                      <a:noFill/>
+                      <a:prstDash val="solid"/>
+                    </a:lnTlToBr>
+                    <a:lnBlToTr w="12700" cmpd="sng">
+                      <a:noFill/>
+                      <a:prstDash val="solid"/>
+                    </a:lnBlToTr>
+                    <a:noFill/>
+                  </a:tcPr>
+                </a:tc>
+                <a:tc rowSpan="2">
+                  <a:txBody>
+                    <a:bodyPr/>
+                    <a:lstStyle/>
+                    <a:p>
+                      <a:pPr marL="171450" indent="-171450">
+                        <a:buFontTx/>
+                        <a:buChar char="-"/>
+                      </a:pPr>
+                      <a:r>
+                        <a:rPr lang="ru-RU" sz="1200" dirty="0">
+                          <a:solidFill>
+                            <a:schemeClr val="bg1">
+                              <a:lumMod val="95000"/>
+                            </a:schemeClr>
+                          </a:solidFill>
+                        </a:rPr>
+                        <a:t>Не успел</a:t>
+                      </a:r>
+                    </a:p>
+                  </a:txBody>
+                  <a:tcPr anchor="ctr">
+                    <a:lnL w="12700" cmpd="sng">
+                      <a:noFill/>
+                    </a:lnL>
+                    <a:lnR w="12700" cmpd="sng">
+                      <a:noFill/>
+                    </a:lnR>
+                    <a:lnT w="38100" cmpd="sng">
+                      <a:noFill/>
+                    </a:lnT>
+                    <a:lnB w="12700" cmpd="sng">
+                      <a:noFill/>
+                    </a:lnB>
+                    <a:lnTlToBr w="12700" cmpd="sng">
+                      <a:noFill/>
+                      <a:prstDash val="solid"/>
+                    </a:lnTlToBr>
+                    <a:lnBlToTr w="12700" cmpd="sng">
+                      <a:noFill/>
+                      <a:prstDash val="solid"/>
+                    </a:lnBlToTr>
+                    <a:noFill/>
+                  </a:tcPr>
+                </a:tc>
+                <a:extLst>
+                  <a:ext uri="{0D108BD9-81ED-4DB2-BD59-A6C34878D82A}">
+                    <a16:rowId xmlns:a16="http://schemas.microsoft.com/office/drawing/2014/main" val="1668867554"/>
+                  </a:ext>
+                </a:extLst>
+              </a:tr>
+              <a:tr h="430358">
+                <a:tc>
+                  <a:txBody>
+                    <a:bodyPr/>
+                    <a:lstStyle/>
+                    <a:p>
+                      <a:r>
+                        <a:rPr lang="ru-RU" sz="1200" dirty="0">
+                          <a:solidFill>
+                            <a:schemeClr val="bg1">
+                              <a:lumMod val="95000"/>
+                            </a:schemeClr>
+                          </a:solidFill>
+                        </a:rPr>
+                        <a:t>- Добавить </a:t>
+                      </a:r>
+                      <a:r>
+                        <a:rPr lang="en-US" sz="1200" dirty="0">
+                          <a:solidFill>
+                            <a:schemeClr val="bg1">
+                              <a:lumMod val="95000"/>
+                            </a:schemeClr>
+                          </a:solidFill>
+                        </a:rPr>
+                        <a:t>ASR </a:t>
+                      </a:r>
+                      <a:r>
+                        <a:rPr lang="ru-RU" sz="1200" dirty="0">
+                          <a:solidFill>
+                            <a:schemeClr val="bg1">
+                              <a:lumMod val="95000"/>
+                            </a:schemeClr>
+                          </a:solidFill>
+                        </a:rPr>
+                        <a:t>и с помощью распознанного текста обогатить </a:t>
+                      </a:r>
+                      <a:r>
+                        <a:rPr lang="ru-RU" sz="1200" dirty="0" err="1">
+                          <a:solidFill>
+                            <a:schemeClr val="bg1">
+                              <a:lumMod val="95000"/>
+                            </a:schemeClr>
+                          </a:solidFill>
+                        </a:rPr>
+                        <a:t>эмбеддинги</a:t>
+                      </a:r>
+                      <a:endParaRPr lang="ru-RU" sz="1200" dirty="0">
+                        <a:solidFill>
+                          <a:schemeClr val="bg1">
+                            <a:lumMod val="95000"/>
+                          </a:schemeClr>
+                        </a:solidFill>
+                      </a:endParaRPr>
+                    </a:p>
+                    <a:p>
+                      <a:r>
+                        <a:rPr lang="ru-RU" sz="1200" dirty="0">
+                          <a:solidFill>
+                            <a:schemeClr val="bg1">
+                              <a:lumMod val="95000"/>
+                            </a:schemeClr>
+                          </a:solidFill>
+                        </a:rPr>
+                        <a:t>- Добавить регулярных выражений над текстами для поиска именованных сущностей (количество </a:t>
+                      </a:r>
+                      <a:r>
+                        <a:rPr lang="en-US" sz="1200" dirty="0">
+                          <a:solidFill>
+                            <a:schemeClr val="bg1">
+                              <a:lumMod val="95000"/>
+                            </a:schemeClr>
+                          </a:solidFill>
+                        </a:rPr>
+                        <a:t>“</a:t>
+                      </a:r>
+                      <a:r>
+                        <a:rPr lang="ru-RU" sz="1200" dirty="0">
+                          <a:solidFill>
+                            <a:schemeClr val="bg1">
+                              <a:lumMod val="95000"/>
+                            </a:schemeClr>
+                          </a:solidFill>
+                        </a:rPr>
+                        <a:t>звездных</a:t>
+                      </a:r>
+                      <a:r>
+                        <a:rPr lang="en-US" sz="1200" dirty="0">
+                          <a:solidFill>
+                            <a:schemeClr val="bg1">
+                              <a:lumMod val="95000"/>
+                            </a:schemeClr>
+                          </a:solidFill>
+                        </a:rPr>
+                        <a:t>”</a:t>
+                      </a:r>
+                      <a:r>
+                        <a:rPr lang="ru-RU" sz="1200" dirty="0">
+                          <a:solidFill>
+                            <a:schemeClr val="bg1">
+                              <a:lumMod val="95000"/>
+                            </a:schemeClr>
+                          </a:solidFill>
+                        </a:rPr>
+                        <a:t> имен</a:t>
+                      </a:r>
+                      <a:r>
+                        <a:rPr lang="en-US" sz="1200" dirty="0">
+                          <a:solidFill>
+                            <a:schemeClr val="bg1">
+                              <a:lumMod val="95000"/>
+                            </a:schemeClr>
+                          </a:solidFill>
+                        </a:rPr>
+                        <a:t> </a:t>
+                      </a:r>
+                      <a:r>
+                        <a:rPr lang="ru-RU" sz="1200" dirty="0">
+                          <a:solidFill>
+                            <a:schemeClr val="bg1">
+                              <a:lumMod val="95000"/>
+                            </a:schemeClr>
+                          </a:solidFill>
+                        </a:rPr>
+                        <a:t>) ограничено</a:t>
+                      </a:r>
+                    </a:p>
+                  </a:txBody>
+                  <a:tcPr anchor="ctr">
+                    <a:lnL w="12700" cmpd="sng">
+                      <a:noFill/>
+                    </a:lnL>
+                    <a:lnR w="12700" cmpd="sng">
+                      <a:noFill/>
+                    </a:lnR>
+                    <a:lnT w="38100" cmpd="sng">
+                      <a:noFill/>
+                    </a:lnT>
+                    <a:lnB w="12700" cmpd="sng">
+                      <a:noFill/>
+                    </a:lnB>
+                    <a:lnTlToBr w="12700" cmpd="sng">
+                      <a:noFill/>
+                      <a:prstDash val="solid"/>
+                    </a:lnTlToBr>
+                    <a:lnBlToTr w="12700" cmpd="sng">
+                      <a:noFill/>
+                      <a:prstDash val="solid"/>
+                    </a:lnBlToTr>
+                    <a:noFill/>
+                  </a:tcPr>
+                </a:tc>
+                <a:tc vMerge="1">
+                  <a:txBody>
+                    <a:bodyPr/>
+                    <a:lstStyle/>
+                    <a:p>
+                      <a:pPr marL="171450" indent="-171450">
+                        <a:buFontTx/>
+                        <a:buChar char="-"/>
+                      </a:pPr>
+                      <a:r>
+                        <a:rPr lang="ru-RU" sz="1200" dirty="0">
+                          <a:solidFill>
+                            <a:schemeClr val="bg1">
+                              <a:lumMod val="95000"/>
+                            </a:schemeClr>
+                          </a:solidFill>
+                        </a:rPr>
+                        <a:t>Тоже не успел</a:t>
+                      </a:r>
+                    </a:p>
+                  </a:txBody>
+                  <a:tcPr anchor="ctr">
+                    <a:lnL w="12700" cmpd="sng">
+                      <a:noFill/>
+                    </a:lnL>
+                    <a:lnR w="12700" cmpd="sng">
+                      <a:noFill/>
+                    </a:lnR>
+                    <a:lnT w="38100" cmpd="sng">
+                      <a:noFill/>
+                    </a:lnT>
+                    <a:lnB w="12700" cmpd="sng">
+                      <a:noFill/>
+                    </a:lnB>
+                    <a:lnTlToBr w="12700" cmpd="sng">
+                      <a:noFill/>
+                      <a:prstDash val="solid"/>
+                    </a:lnTlToBr>
+                    <a:lnBlToTr w="12700" cmpd="sng">
+                      <a:noFill/>
+                      <a:prstDash val="solid"/>
+                    </a:lnBlToTr>
+                    <a:noFill/>
+                  </a:tcPr>
+                </a:tc>
+                <a:extLst>
+                  <a:ext uri="{0D108BD9-81ED-4DB2-BD59-A6C34878D82A}">
+                    <a16:rowId xmlns:a16="http://schemas.microsoft.com/office/drawing/2014/main" val="447505681"/>
                   </a:ext>
                 </a:extLst>
               </a:tr>
@@ -6957,6 +7273,926 @@
 </file>
 
 <file path=ppt/slides/slide6.xml><?xml version="1.0" encoding="utf-8"?>
+<p:sld xmlns:a="http://schemas.openxmlformats.org/drawingml/2006/main" xmlns:r="http://schemas.openxmlformats.org/officeDocument/2006/relationships" xmlns:p="http://schemas.openxmlformats.org/presentationml/2006/main">
+  <p:cSld>
+    <p:bg>
+      <p:bgPr>
+        <a:solidFill>
+          <a:srgbClr val="000000"/>
+        </a:solidFill>
+        <a:effectLst/>
+      </p:bgPr>
+    </p:bg>
+    <p:spTree>
+      <p:nvGrpSpPr>
+        <p:cNvPr id="1" name=""/>
+        <p:cNvGrpSpPr/>
+        <p:nvPr/>
+      </p:nvGrpSpPr>
+      <p:grpSpPr>
+        <a:xfrm>
+          <a:off x="0" y="0"/>
+          <a:ext cx="0" cy="0"/>
+          <a:chOff x="0" y="0"/>
+          <a:chExt cx="0" cy="0"/>
+        </a:xfrm>
+      </p:grpSpPr>
+      <p:pic>
+        <p:nvPicPr>
+          <p:cNvPr id="85" name="Google Shape;108;p4"/>
+          <p:cNvPicPr/>
+          <p:nvPr/>
+        </p:nvPicPr>
+        <p:blipFill>
+          <a:blip r:embed="rId2"/>
+          <a:stretch/>
+        </p:blipFill>
+        <p:spPr>
+          <a:xfrm>
+            <a:off x="7770240" y="4741200"/>
+            <a:ext cx="1065960" cy="167400"/>
+          </a:xfrm>
+          <a:prstGeom prst="rect">
+            <a:avLst/>
+          </a:prstGeom>
+          <a:ln>
+            <a:noFill/>
+          </a:ln>
+        </p:spPr>
+      </p:pic>
+      <p:pic>
+        <p:nvPicPr>
+          <p:cNvPr id="86" name="Google Shape;109;p4"/>
+          <p:cNvPicPr/>
+          <p:nvPr/>
+        </p:nvPicPr>
+        <p:blipFill>
+          <a:blip r:embed="rId3"/>
+          <a:stretch/>
+        </p:blipFill>
+        <p:spPr>
+          <a:xfrm>
+            <a:off x="8239680" y="2726280"/>
+            <a:ext cx="1559160" cy="1559160"/>
+          </a:xfrm>
+          <a:prstGeom prst="rect">
+            <a:avLst/>
+          </a:prstGeom>
+          <a:ln>
+            <a:noFill/>
+          </a:ln>
+        </p:spPr>
+      </p:pic>
+      <p:pic>
+        <p:nvPicPr>
+          <p:cNvPr id="87" name="Google Shape;110;p4"/>
+          <p:cNvPicPr/>
+          <p:nvPr/>
+        </p:nvPicPr>
+        <p:blipFill>
+          <a:blip r:embed="rId3"/>
+          <a:stretch/>
+        </p:blipFill>
+        <p:spPr>
+          <a:xfrm>
+            <a:off x="8076960" y="437040"/>
+            <a:ext cx="505080" cy="505080"/>
+          </a:xfrm>
+          <a:prstGeom prst="rect">
+            <a:avLst/>
+          </a:prstGeom>
+          <a:ln>
+            <a:noFill/>
+          </a:ln>
+        </p:spPr>
+      </p:pic>
+      <p:pic>
+        <p:nvPicPr>
+          <p:cNvPr id="88" name="Google Shape;111;p4"/>
+          <p:cNvPicPr/>
+          <p:nvPr/>
+        </p:nvPicPr>
+        <p:blipFill>
+          <a:blip r:embed="rId4"/>
+          <a:stretch/>
+        </p:blipFill>
+        <p:spPr>
+          <a:xfrm>
+            <a:off x="1086120" y="4352040"/>
+            <a:ext cx="505080" cy="505080"/>
+          </a:xfrm>
+          <a:prstGeom prst="rect">
+            <a:avLst/>
+          </a:prstGeom>
+          <a:ln>
+            <a:noFill/>
+          </a:ln>
+        </p:spPr>
+      </p:pic>
+      <p:sp>
+        <p:nvSpPr>
+          <p:cNvPr id="89" name="CustomShape 1"/>
+          <p:cNvSpPr/>
+          <p:nvPr/>
+        </p:nvSpPr>
+        <p:spPr>
+          <a:xfrm>
+            <a:off x="2141280" y="102199"/>
+            <a:ext cx="4860000" cy="839919"/>
+          </a:xfrm>
+          <a:prstGeom prst="roundRect">
+            <a:avLst>
+              <a:gd name="adj" fmla="val 7137"/>
+            </a:avLst>
+          </a:prstGeom>
+          <a:solidFill>
+            <a:srgbClr val="4702D3"/>
+          </a:solidFill>
+          <a:ln>
+            <a:noFill/>
+          </a:ln>
+        </p:spPr>
+        <p:style>
+          <a:lnRef idx="0">
+            <a:scrgbClr r="0" g="0" b="0"/>
+          </a:lnRef>
+          <a:fillRef idx="0">
+            <a:scrgbClr r="0" g="0" b="0"/>
+          </a:fillRef>
+          <a:effectRef idx="0">
+            <a:scrgbClr r="0" g="0" b="0"/>
+          </a:effectRef>
+          <a:fontRef idx="minor"/>
+        </p:style>
+      </p:sp>
+      <p:sp>
+        <p:nvSpPr>
+          <p:cNvPr id="90" name="CustomShape 2"/>
+          <p:cNvSpPr/>
+          <p:nvPr/>
+        </p:nvSpPr>
+        <p:spPr>
+          <a:xfrm>
+            <a:off x="2141280" y="72109"/>
+            <a:ext cx="4860000" cy="923330"/>
+          </a:xfrm>
+          <a:prstGeom prst="rect">
+            <a:avLst/>
+          </a:prstGeom>
+          <a:noFill/>
+          <a:ln>
+            <a:noFill/>
+          </a:ln>
+        </p:spPr>
+        <p:style>
+          <a:lnRef idx="0">
+            <a:scrgbClr r="0" g="0" b="0"/>
+          </a:lnRef>
+          <a:fillRef idx="0">
+            <a:scrgbClr r="0" g="0" b="0"/>
+          </a:fillRef>
+          <a:effectRef idx="0">
+            <a:scrgbClr r="0" g="0" b="0"/>
+          </a:effectRef>
+          <a:fontRef idx="minor"/>
+        </p:style>
+        <p:txBody>
+          <a:bodyPr tIns="91440" bIns="91440">
+            <a:spAutoFit/>
+          </a:bodyPr>
+          <a:lstStyle/>
+          <a:p>
+            <a:pPr algn="ctr">
+              <a:lnSpc>
+                <a:spcPct val="100000"/>
+              </a:lnSpc>
+              <a:tabLst>
+                <a:tab pos="0" algn="l"/>
+              </a:tabLst>
+            </a:pPr>
+            <a:r>
+              <a:rPr lang="en-US" sz="2400" b="1" strike="noStrike" spc="-1" dirty="0">
+                <a:solidFill>
+                  <a:srgbClr val="FFFFFF"/>
+                </a:solidFill>
+                <a:latin typeface="Nunito Sans"/>
+                <a:ea typeface="Nunito Sans"/>
+              </a:rPr>
+              <a:t>Feedback</a:t>
+            </a:r>
+            <a:r>
+              <a:rPr lang="ru-RU" sz="2400" b="1" spc="-1" dirty="0">
+                <a:solidFill>
+                  <a:srgbClr val="FFFFFF"/>
+                </a:solidFill>
+                <a:latin typeface="Nunito Sans"/>
+                <a:ea typeface="Nunito Sans"/>
+              </a:rPr>
+              <a:t> себе и организаторам</a:t>
+            </a:r>
+            <a:endParaRPr lang="en-US" sz="2400" b="0" strike="noStrike" spc="-1" dirty="0">
+              <a:latin typeface="Arial"/>
+            </a:endParaRPr>
+          </a:p>
+        </p:txBody>
+      </p:sp>
+      <p:pic>
+        <p:nvPicPr>
+          <p:cNvPr id="92" name="Google Shape;115;p4"/>
+          <p:cNvPicPr/>
+          <p:nvPr/>
+        </p:nvPicPr>
+        <p:blipFill>
+          <a:blip r:embed="rId5"/>
+          <a:stretch/>
+        </p:blipFill>
+        <p:spPr>
+          <a:xfrm>
+            <a:off x="307080" y="103320"/>
+            <a:ext cx="576360" cy="576360"/>
+          </a:xfrm>
+          <a:prstGeom prst="rect">
+            <a:avLst/>
+          </a:prstGeom>
+          <a:ln>
+            <a:noFill/>
+          </a:ln>
+        </p:spPr>
+      </p:pic>
+      <p:sp>
+        <p:nvSpPr>
+          <p:cNvPr id="10" name="Скругленный прямоугольник 16">
+            <a:extLst>
+              <a:ext uri="{FF2B5EF4-FFF2-40B4-BE49-F238E27FC236}">
+                <a16:creationId xmlns:a16="http://schemas.microsoft.com/office/drawing/2014/main" id="{173C9A83-A132-D446-BE60-E0D8D4A75E89}"/>
+              </a:ext>
+            </a:extLst>
+          </p:cNvPr>
+          <p:cNvSpPr/>
+          <p:nvPr/>
+        </p:nvSpPr>
+        <p:spPr>
+          <a:xfrm rot="5400000" flipV="1">
+            <a:off x="2555172" y="-1328884"/>
+            <a:ext cx="4032216" cy="8680862"/>
+          </a:xfrm>
+          <a:prstGeom prst="roundRect">
+            <a:avLst>
+              <a:gd name="adj" fmla="val 12412"/>
+            </a:avLst>
+          </a:prstGeom>
+          <a:gradFill flip="none" rotWithShape="1">
+            <a:gsLst>
+              <a:gs pos="99000">
+                <a:schemeClr val="accent5">
+                  <a:lumMod val="95000"/>
+                </a:schemeClr>
+              </a:gs>
+              <a:gs pos="42000">
+                <a:srgbClr val="00373E">
+                  <a:alpha val="0"/>
+                </a:srgbClr>
+              </a:gs>
+            </a:gsLst>
+            <a:path path="circle">
+              <a:fillToRect l="100000" t="100000"/>
+            </a:path>
+            <a:tileRect r="-100000" b="-100000"/>
+          </a:gradFill>
+          <a:ln>
+            <a:noFill/>
+          </a:ln>
+        </p:spPr>
+        <p:style>
+          <a:lnRef idx="2">
+            <a:schemeClr val="accent1">
+              <a:shade val="50000"/>
+            </a:schemeClr>
+          </a:lnRef>
+          <a:fillRef idx="1">
+            <a:schemeClr val="accent1"/>
+          </a:fillRef>
+          <a:effectRef idx="0">
+            <a:schemeClr val="accent1"/>
+          </a:effectRef>
+          <a:fontRef idx="minor">
+            <a:schemeClr val="lt1"/>
+          </a:fontRef>
+        </p:style>
+        <p:txBody>
+          <a:bodyPr rtlCol="0" anchor="ctr"/>
+          <a:lstStyle/>
+          <a:p>
+            <a:pPr algn="ctr"/>
+            <a:endParaRPr lang="ru-RU">
+              <a:solidFill>
+                <a:schemeClr val="accent5"/>
+              </a:solidFill>
+            </a:endParaRPr>
+          </a:p>
+        </p:txBody>
+      </p:sp>
+      <p:graphicFrame>
+        <p:nvGraphicFramePr>
+          <p:cNvPr id="12" name="Table 5">
+            <a:extLst>
+              <a:ext uri="{FF2B5EF4-FFF2-40B4-BE49-F238E27FC236}">
+                <a16:creationId xmlns:a16="http://schemas.microsoft.com/office/drawing/2014/main" id="{C048DEED-03C1-AB4A-A464-94B79D30D707}"/>
+              </a:ext>
+            </a:extLst>
+          </p:cNvPr>
+          <p:cNvGraphicFramePr>
+            <a:graphicFrameLocks noGrp="1"/>
+          </p:cNvGraphicFramePr>
+          <p:nvPr>
+            <p:extLst>
+              <p:ext uri="{D42A27DB-BD31-4B8C-83A1-F6EECF244321}">
+                <p14:modId xmlns:p14="http://schemas.microsoft.com/office/powerpoint/2010/main" val="3580085842"/>
+              </p:ext>
+            </p:extLst>
+          </p:nvPr>
+        </p:nvGraphicFramePr>
+        <p:xfrm>
+          <a:off x="767060" y="1135730"/>
+          <a:ext cx="7309900" cy="3658620"/>
+        </p:xfrm>
+        <a:graphic>
+          <a:graphicData uri="http://schemas.openxmlformats.org/drawingml/2006/table">
+            <a:tbl>
+              <a:tblPr firstRow="1" bandRow="1">
+                <a:tableStyleId>{5C22544A-7EE6-4342-B048-85BDC9FD1C3A}</a:tableStyleId>
+              </a:tblPr>
+              <a:tblGrid>
+                <a:gridCol w="7309900">
+                  <a:extLst>
+                    <a:ext uri="{9D8B030D-6E8A-4147-A177-3AD203B41FA5}">
+                      <a16:colId xmlns:a16="http://schemas.microsoft.com/office/drawing/2014/main" val="1737851927"/>
+                    </a:ext>
+                  </a:extLst>
+                </a:gridCol>
+              </a:tblGrid>
+              <a:tr h="353189">
+                <a:tc>
+                  <a:txBody>
+                    <a:bodyPr/>
+                    <a:lstStyle/>
+                    <a:p>
+                      <a:pPr marL="0" marR="0" lvl="0" indent="0" algn="ctr" defTabSz="914400" rtl="0" eaLnBrk="1" fontAlgn="auto" latinLnBrk="0" hangingPunct="1">
+                        <a:lnSpc>
+                          <a:spcPct val="100000"/>
+                        </a:lnSpc>
+                        <a:spcBef>
+                          <a:spcPts val="0"/>
+                        </a:spcBef>
+                        <a:spcAft>
+                          <a:spcPts val="0"/>
+                        </a:spcAft>
+                        <a:buClrTx/>
+                        <a:buSzTx/>
+                        <a:buFontTx/>
+                        <a:buNone/>
+                        <a:tabLst/>
+                        <a:defRPr/>
+                      </a:pPr>
+                      <a:r>
+                        <a:rPr lang="ru-RU" sz="1600" b="1" dirty="0">
+                          <a:solidFill>
+                            <a:schemeClr val="bg1">
+                              <a:lumMod val="95000"/>
+                            </a:schemeClr>
+                          </a:solidFill>
+                        </a:rPr>
+                        <a:t>Укоры себе</a:t>
+                      </a:r>
+                    </a:p>
+                  </a:txBody>
+                  <a:tcPr anchor="ctr">
+                    <a:lnL w="12700" cmpd="sng">
+                      <a:noFill/>
+                    </a:lnL>
+                    <a:lnR w="12700" cmpd="sng">
+                      <a:noFill/>
+                    </a:lnR>
+                    <a:lnT w="12700" cmpd="sng">
+                      <a:noFill/>
+                    </a:lnT>
+                    <a:lnB w="38100" cmpd="sng">
+                      <a:noFill/>
+                    </a:lnB>
+                    <a:lnTlToBr w="12700" cmpd="sng">
+                      <a:noFill/>
+                      <a:prstDash val="solid"/>
+                    </a:lnTlToBr>
+                    <a:lnBlToTr w="12700" cmpd="sng">
+                      <a:noFill/>
+                      <a:prstDash val="solid"/>
+                    </a:lnBlToTr>
+                    <a:noFill/>
+                  </a:tcPr>
+                </a:tc>
+                <a:extLst>
+                  <a:ext uri="{0D108BD9-81ED-4DB2-BD59-A6C34878D82A}">
+                    <a16:rowId xmlns:a16="http://schemas.microsoft.com/office/drawing/2014/main" val="586833664"/>
+                  </a:ext>
+                </a:extLst>
+              </a:tr>
+              <a:tr h="558048">
+                <a:tc>
+                  <a:txBody>
+                    <a:bodyPr/>
+                    <a:lstStyle/>
+                    <a:p>
+                      <a:pPr marL="0" marR="0" lvl="0" indent="0" algn="ctr" defTabSz="914400" rtl="0" eaLnBrk="1" fontAlgn="auto" latinLnBrk="0" hangingPunct="1">
+                        <a:lnSpc>
+                          <a:spcPct val="100000"/>
+                        </a:lnSpc>
+                        <a:spcBef>
+                          <a:spcPts val="0"/>
+                        </a:spcBef>
+                        <a:spcAft>
+                          <a:spcPts val="0"/>
+                        </a:spcAft>
+                        <a:buClrTx/>
+                        <a:buSzTx/>
+                        <a:buFontTx/>
+                        <a:buNone/>
+                        <a:tabLst/>
+                        <a:defRPr/>
+                      </a:pPr>
+                      <a:r>
+                        <a:rPr lang="ru-RU" sz="1600" b="1" dirty="0">
+                          <a:solidFill>
+                            <a:schemeClr val="bg1">
+                              <a:lumMod val="95000"/>
+                            </a:schemeClr>
+                          </a:solidFill>
+                        </a:rPr>
+                        <a:t>- </a:t>
+                      </a:r>
+                      <a:r>
+                        <a:rPr lang="ru-RU" sz="1600" b="0" dirty="0">
+                          <a:solidFill>
+                            <a:schemeClr val="bg1">
+                              <a:lumMod val="95000"/>
+                            </a:schemeClr>
+                          </a:solidFill>
+                        </a:rPr>
+                        <a:t>Оказалось, что на решение простых задач, которыми не занимаешься в повседневной работе требуется значительно больше времени</a:t>
+                      </a:r>
+                    </a:p>
+                  </a:txBody>
+                  <a:tcPr anchor="ctr">
+                    <a:lnL w="12700" cmpd="sng">
+                      <a:noFill/>
+                    </a:lnL>
+                    <a:lnR w="12700" cmpd="sng">
+                      <a:noFill/>
+                    </a:lnR>
+                    <a:lnT w="12700" cmpd="sng">
+                      <a:noFill/>
+                    </a:lnT>
+                    <a:lnB w="38100" cmpd="sng">
+                      <a:noFill/>
+                    </a:lnB>
+                    <a:lnTlToBr w="12700" cmpd="sng">
+                      <a:noFill/>
+                      <a:prstDash val="solid"/>
+                    </a:lnTlToBr>
+                    <a:lnBlToTr w="12700" cmpd="sng">
+                      <a:noFill/>
+                      <a:prstDash val="solid"/>
+                    </a:lnBlToTr>
+                    <a:noFill/>
+                  </a:tcPr>
+                </a:tc>
+                <a:extLst>
+                  <a:ext uri="{0D108BD9-81ED-4DB2-BD59-A6C34878D82A}">
+                    <a16:rowId xmlns:a16="http://schemas.microsoft.com/office/drawing/2014/main" val="1681951901"/>
+                  </a:ext>
+                </a:extLst>
+              </a:tr>
+              <a:tr h="558048">
+                <a:tc>
+                  <a:txBody>
+                    <a:bodyPr/>
+                    <a:lstStyle/>
+                    <a:p>
+                      <a:pPr marL="0" marR="0" lvl="0" indent="0" algn="ctr" defTabSz="914400" rtl="0" eaLnBrk="1" fontAlgn="auto" latinLnBrk="0" hangingPunct="1">
+                        <a:lnSpc>
+                          <a:spcPct val="100000"/>
+                        </a:lnSpc>
+                        <a:spcBef>
+                          <a:spcPts val="0"/>
+                        </a:spcBef>
+                        <a:spcAft>
+                          <a:spcPts val="0"/>
+                        </a:spcAft>
+                        <a:buClrTx/>
+                        <a:buSzTx/>
+                        <a:buFontTx/>
+                        <a:buNone/>
+                        <a:tabLst/>
+                        <a:defRPr/>
+                      </a:pPr>
+                      <a:r>
+                        <a:rPr lang="ru-RU" sz="1600" b="0" kern="1200" dirty="0">
+                          <a:solidFill>
+                            <a:schemeClr val="bg1">
+                              <a:lumMod val="95000"/>
+                            </a:schemeClr>
+                          </a:solidFill>
+                          <a:latin typeface="+mn-lt"/>
+                          <a:ea typeface="+mn-ea"/>
+                          <a:cs typeface="+mn-cs"/>
+                        </a:rPr>
+                        <a:t>- Нельзя недооценивать ценность наличия команды для решения задачи в сжатые сроки</a:t>
+                      </a:r>
+                    </a:p>
+                  </a:txBody>
+                  <a:tcPr anchor="ctr">
+                    <a:lnL w="12700" cmpd="sng">
+                      <a:noFill/>
+                    </a:lnL>
+                    <a:lnR w="12700" cmpd="sng">
+                      <a:noFill/>
+                    </a:lnR>
+                    <a:lnT w="38100" cmpd="sng">
+                      <a:noFill/>
+                    </a:lnT>
+                    <a:lnB w="12700" cmpd="sng">
+                      <a:noFill/>
+                    </a:lnB>
+                    <a:lnTlToBr w="12700" cmpd="sng">
+                      <a:noFill/>
+                      <a:prstDash val="solid"/>
+                    </a:lnTlToBr>
+                    <a:lnBlToTr w="12700" cmpd="sng">
+                      <a:noFill/>
+                      <a:prstDash val="solid"/>
+                    </a:lnBlToTr>
+                    <a:noFill/>
+                  </a:tcPr>
+                </a:tc>
+                <a:extLst>
+                  <a:ext uri="{0D108BD9-81ED-4DB2-BD59-A6C34878D82A}">
+                    <a16:rowId xmlns:a16="http://schemas.microsoft.com/office/drawing/2014/main" val="277536494"/>
+                  </a:ext>
+                </a:extLst>
+              </a:tr>
+              <a:tr h="379351">
+                <a:tc>
+                  <a:txBody>
+                    <a:bodyPr/>
+                    <a:lstStyle/>
+                    <a:p>
+                      <a:pPr marL="0" marR="0" lvl="0" indent="0" algn="ctr" defTabSz="914400" rtl="0" eaLnBrk="1" fontAlgn="auto" latinLnBrk="0" hangingPunct="1">
+                        <a:lnSpc>
+                          <a:spcPct val="100000"/>
+                        </a:lnSpc>
+                        <a:spcBef>
+                          <a:spcPts val="0"/>
+                        </a:spcBef>
+                        <a:spcAft>
+                          <a:spcPts val="0"/>
+                        </a:spcAft>
+                        <a:buClrTx/>
+                        <a:buSzTx/>
+                        <a:buFontTx/>
+                        <a:buNone/>
+                        <a:tabLst/>
+                        <a:defRPr/>
+                      </a:pPr>
+                      <a:r>
+                        <a:rPr lang="ru-RU" sz="1600" b="1" kern="1200" dirty="0">
+                          <a:solidFill>
+                            <a:schemeClr val="bg1">
+                              <a:lumMod val="95000"/>
+                            </a:schemeClr>
+                          </a:solidFill>
+                          <a:latin typeface="+mn-lt"/>
+                          <a:ea typeface="+mn-ea"/>
+                          <a:cs typeface="+mn-cs"/>
+                        </a:rPr>
+                        <a:t>Пожелания организаторам</a:t>
+                      </a:r>
+                    </a:p>
+                  </a:txBody>
+                  <a:tcPr anchor="ctr">
+                    <a:lnL w="12700" cmpd="sng">
+                      <a:noFill/>
+                    </a:lnL>
+                    <a:lnR w="12700" cmpd="sng">
+                      <a:noFill/>
+                    </a:lnR>
+                    <a:lnT w="38100" cmpd="sng">
+                      <a:noFill/>
+                    </a:lnT>
+                    <a:lnB w="12700" cmpd="sng">
+                      <a:noFill/>
+                    </a:lnB>
+                    <a:lnTlToBr w="12700" cmpd="sng">
+                      <a:noFill/>
+                      <a:prstDash val="solid"/>
+                    </a:lnTlToBr>
+                    <a:lnBlToTr w="12700" cmpd="sng">
+                      <a:noFill/>
+                      <a:prstDash val="solid"/>
+                    </a:lnBlToTr>
+                    <a:noFill/>
+                  </a:tcPr>
+                </a:tc>
+                <a:extLst>
+                  <a:ext uri="{0D108BD9-81ED-4DB2-BD59-A6C34878D82A}">
+                    <a16:rowId xmlns:a16="http://schemas.microsoft.com/office/drawing/2014/main" val="256305742"/>
+                  </a:ext>
+                </a:extLst>
+              </a:tr>
+              <a:tr h="969240">
+                <a:tc>
+                  <a:txBody>
+                    <a:bodyPr/>
+                    <a:lstStyle/>
+                    <a:p>
+                      <a:pPr marL="0" marR="0" lvl="0" indent="0" algn="ctr" defTabSz="914400" rtl="0" eaLnBrk="1" fontAlgn="auto" latinLnBrk="0" hangingPunct="1">
+                        <a:lnSpc>
+                          <a:spcPct val="100000"/>
+                        </a:lnSpc>
+                        <a:spcBef>
+                          <a:spcPts val="0"/>
+                        </a:spcBef>
+                        <a:spcAft>
+                          <a:spcPts val="0"/>
+                        </a:spcAft>
+                        <a:buClrTx/>
+                        <a:buSzTx/>
+                        <a:buFontTx/>
+                        <a:buNone/>
+                        <a:tabLst/>
+                        <a:defRPr/>
+                      </a:pPr>
+                      <a:r>
+                        <a:rPr lang="ru-RU" sz="1600" b="0" kern="1200" dirty="0">
+                          <a:solidFill>
+                            <a:schemeClr val="bg1">
+                              <a:lumMod val="95000"/>
+                            </a:schemeClr>
+                          </a:solidFill>
+                          <a:latin typeface="+mn-lt"/>
+                          <a:ea typeface="+mn-ea"/>
+                          <a:cs typeface="+mn-cs"/>
+                        </a:rPr>
+                        <a:t>Неожиданной оказалась подготовительная часть, не касающаяся самой задачи непосредственно – подготовка «инфраструктуры»/обвязки для обмена решением с организаторами</a:t>
+                      </a:r>
+                    </a:p>
+                    <a:p>
+                      <a:endParaRPr lang="ru-RU" sz="1200" dirty="0">
+                        <a:solidFill>
+                          <a:schemeClr val="bg1">
+                            <a:lumMod val="95000"/>
+                          </a:schemeClr>
+                        </a:solidFill>
+                      </a:endParaRPr>
+                    </a:p>
+                  </a:txBody>
+                  <a:tcPr anchor="ctr">
+                    <a:lnL w="12700" cmpd="sng">
+                      <a:noFill/>
+                    </a:lnL>
+                    <a:lnR w="12700" cmpd="sng">
+                      <a:noFill/>
+                    </a:lnR>
+                    <a:lnT w="38100" cmpd="sng">
+                      <a:noFill/>
+                    </a:lnT>
+                    <a:lnB w="12700" cmpd="sng">
+                      <a:noFill/>
+                    </a:lnB>
+                    <a:lnTlToBr w="12700" cmpd="sng">
+                      <a:noFill/>
+                      <a:prstDash val="solid"/>
+                    </a:lnTlToBr>
+                    <a:lnBlToTr w="12700" cmpd="sng">
+                      <a:noFill/>
+                      <a:prstDash val="solid"/>
+                    </a:lnBlToTr>
+                    <a:noFill/>
+                  </a:tcPr>
+                </a:tc>
+                <a:extLst>
+                  <a:ext uri="{0D108BD9-81ED-4DB2-BD59-A6C34878D82A}">
+                    <a16:rowId xmlns:a16="http://schemas.microsoft.com/office/drawing/2014/main" val="1655491286"/>
+                  </a:ext>
+                </a:extLst>
+              </a:tr>
+              <a:tr h="734273">
+                <a:tc>
+                  <a:txBody>
+                    <a:bodyPr/>
+                    <a:lstStyle/>
+                    <a:p>
+                      <a:pPr marL="0" marR="0" lvl="0" indent="0" algn="ctr" defTabSz="914400" rtl="0" eaLnBrk="1" fontAlgn="auto" latinLnBrk="0" hangingPunct="1">
+                        <a:lnSpc>
+                          <a:spcPct val="100000"/>
+                        </a:lnSpc>
+                        <a:spcBef>
+                          <a:spcPts val="0"/>
+                        </a:spcBef>
+                        <a:spcAft>
+                          <a:spcPts val="0"/>
+                        </a:spcAft>
+                        <a:buClrTx/>
+                        <a:buSzTx/>
+                        <a:buFontTx/>
+                        <a:buNone/>
+                        <a:tabLst/>
+                        <a:defRPr/>
+                      </a:pPr>
+                      <a:r>
+                        <a:rPr lang="ru-RU" sz="1600" b="0" kern="1200" dirty="0">
+                          <a:solidFill>
+                            <a:schemeClr val="bg1">
+                              <a:lumMod val="95000"/>
+                            </a:schemeClr>
+                          </a:solidFill>
+                          <a:latin typeface="+mn-lt"/>
+                          <a:ea typeface="+mn-ea"/>
+                          <a:cs typeface="+mn-cs"/>
+                        </a:rPr>
+                        <a:t>Наличие </a:t>
+                      </a:r>
+                      <a:r>
+                        <a:rPr lang="ru-RU" sz="1600" b="0" kern="1200" dirty="0" err="1">
+                          <a:solidFill>
+                            <a:schemeClr val="bg1">
+                              <a:lumMod val="95000"/>
+                            </a:schemeClr>
+                          </a:solidFill>
+                          <a:latin typeface="+mn-lt"/>
+                          <a:ea typeface="+mn-ea"/>
+                          <a:cs typeface="+mn-cs"/>
+                        </a:rPr>
+                        <a:t>бойлерплэйтов</a:t>
+                      </a:r>
+                      <a:r>
+                        <a:rPr lang="ru-RU" sz="1600" b="0" kern="1200" dirty="0">
+                          <a:solidFill>
+                            <a:schemeClr val="bg1">
+                              <a:lumMod val="95000"/>
+                            </a:schemeClr>
+                          </a:solidFill>
+                          <a:latin typeface="+mn-lt"/>
+                          <a:ea typeface="+mn-ea"/>
+                          <a:cs typeface="+mn-cs"/>
+                        </a:rPr>
+                        <a:t> помогло бы больше внимания сосредоточить на самой задаче нахождения и фильтрации пользовательского контента</a:t>
+                      </a:r>
+                    </a:p>
+                    <a:p>
+                      <a:endParaRPr lang="ru-RU" sz="1200" dirty="0">
+                        <a:solidFill>
+                          <a:schemeClr val="bg1">
+                            <a:lumMod val="95000"/>
+                          </a:schemeClr>
+                        </a:solidFill>
+                      </a:endParaRPr>
+                    </a:p>
+                  </a:txBody>
+                  <a:tcPr anchor="ctr">
+                    <a:lnL w="12700" cmpd="sng">
+                      <a:noFill/>
+                    </a:lnL>
+                    <a:lnR w="12700" cmpd="sng">
+                      <a:noFill/>
+                    </a:lnR>
+                    <a:lnT w="38100" cmpd="sng">
+                      <a:noFill/>
+                    </a:lnT>
+                    <a:lnB w="12700" cmpd="sng">
+                      <a:noFill/>
+                    </a:lnB>
+                    <a:lnTlToBr w="12700" cmpd="sng">
+                      <a:noFill/>
+                      <a:prstDash val="solid"/>
+                    </a:lnTlToBr>
+                    <a:lnBlToTr w="12700" cmpd="sng">
+                      <a:noFill/>
+                      <a:prstDash val="solid"/>
+                    </a:lnBlToTr>
+                    <a:noFill/>
+                  </a:tcPr>
+                </a:tc>
+                <a:extLst>
+                  <a:ext uri="{0D108BD9-81ED-4DB2-BD59-A6C34878D82A}">
+                    <a16:rowId xmlns:a16="http://schemas.microsoft.com/office/drawing/2014/main" val="2104088283"/>
+                  </a:ext>
+                </a:extLst>
+              </a:tr>
+            </a:tbl>
+          </a:graphicData>
+        </a:graphic>
+      </p:graphicFrame>
+    </p:spTree>
+    <p:extLst>
+      <p:ext uri="{BB962C8B-B14F-4D97-AF65-F5344CB8AC3E}">
+        <p14:creationId xmlns:p14="http://schemas.microsoft.com/office/powerpoint/2010/main" val="1590611027"/>
+      </p:ext>
+    </p:extLst>
+  </p:cSld>
+  <p:clrMapOvr>
+    <a:masterClrMapping/>
+  </p:clrMapOvr>
+  <p:timing>
+    <p:tnLst>
+      <p:par>
+        <p:cTn id="1" dur="indefinite" restart="never" nodeType="tmRoot">
+          <p:childTnLst>
+            <p:seq>
+              <p:cTn id="2" dur="indefinite" nodeType="mainSeq">
+                <p:childTnLst>
+                  <p:par>
+                    <p:cTn id="3" fill="hold">
+                      <p:stCondLst>
+                        <p:cond delay="0"/>
+                      </p:stCondLst>
+                      <p:childTnLst>
+                        <p:par>
+                          <p:cTn id="4" fill="hold">
+                            <p:stCondLst>
+                              <p:cond delay="0"/>
+                            </p:stCondLst>
+                            <p:childTnLst>
+                              <p:par>
+                                <p:cTn id="5" presetID="8" presetClass="emph" fill="hold" nodeType="withEffect">
+                                  <p:stCondLst>
+                                    <p:cond delay="0"/>
+                                  </p:stCondLst>
+                                  <p:childTnLst>
+                                    <p:animRot by="-21600000">
+                                      <p:cBhvr>
+                                        <p:cTn id="6" dur="5000" fill="hold"/>
+                                        <p:tgtEl>
+                                          <p:spTgt spid="87"/>
+                                        </p:tgtEl>
+                                        <p:attrNameLst>
+                                          <p:attrName>r</p:attrName>
+                                        </p:attrNameLst>
+                                      </p:cBhvr>
+                                    </p:animRot>
+                                  </p:childTnLst>
+                                </p:cTn>
+                              </p:par>
+                              <p:par>
+                                <p:cTn id="7" presetID="8" presetClass="emph" fill="hold" nodeType="withEffect">
+                                  <p:stCondLst>
+                                    <p:cond delay="0"/>
+                                  </p:stCondLst>
+                                  <p:childTnLst>
+                                    <p:animRot by="-21600000">
+                                      <p:cBhvr>
+                                        <p:cTn id="8" dur="5000" fill="hold"/>
+                                        <p:tgtEl>
+                                          <p:spTgt spid="86"/>
+                                        </p:tgtEl>
+                                        <p:attrNameLst>
+                                          <p:attrName>r</p:attrName>
+                                        </p:attrNameLst>
+                                      </p:cBhvr>
+                                    </p:animRot>
+                                  </p:childTnLst>
+                                </p:cTn>
+                              </p:par>
+                            </p:childTnLst>
+                          </p:cTn>
+                        </p:par>
+                      </p:childTnLst>
+                    </p:cTn>
+                  </p:par>
+                </p:childTnLst>
+              </p:cTn>
+              <p:prevCondLst>
+                <p:cond evt="onPrev" delay="0">
+                  <p:tgtEl>
+                    <p:sldTgt/>
+                  </p:tgtEl>
+                </p:cond>
+              </p:prevCondLst>
+              <p:nextCondLst>
+                <p:cond evt="onNext" delay="0">
+                  <p:tgtEl>
+                    <p:sldTgt/>
+                  </p:tgtEl>
+                </p:cond>
+              </p:nextCondLst>
+            </p:seq>
+          </p:childTnLst>
+        </p:cTn>
+      </p:par>
+    </p:tnLst>
+  </p:timing>
+</p:sld>
+</file>
+
+<file path=ppt/slides/slide7.xml><?xml version="1.0" encoding="utf-8"?>
 <p:sld xmlns:a="http://schemas.openxmlformats.org/drawingml/2006/main" xmlns:r="http://schemas.openxmlformats.org/officeDocument/2006/relationships" xmlns:p="http://schemas.openxmlformats.org/presentationml/2006/main">
   <p:cSld>
     <p:bg>
